--- a/KostiantynPavlov.pptx
+++ b/KostiantynPavlov.pptx
@@ -252,7 +252,7 @@
   </p:defaultTextStyle>
   <p:extLst>
     <p:ext uri="{EFAFB233-063F-42B5-8137-9DF3F51BA10A}">
-      <p15:sldGuideLst xmlns:ahyp="http://schemas.microsoft.com/office/drawing/2018/hyperlinkcolor" xmlns:p15="http://schemas.microsoft.com/office/powerpoint/2012/main" xmlns:p14="http://schemas.microsoft.com/office/powerpoint/2010/main" xmlns:com="http://schemas.openxmlformats.org/drawingml/2006/compatibility" xmlns:pvml="urn:schemas-microsoft-com:office:powerpoint" xmlns:v="urn:schemas-microsoft-com:vml" xmlns:o="urn:schemas-microsoft-com:office:office" xmlns:dgm="http://schemas.openxmlformats.org/drawingml/2006/diagram" xmlns:c="http://schemas.openxmlformats.org/drawingml/2006/chart" xmlns:mv="urn:schemas-microsoft-com:mac:vml" xmlns:mc="http://schemas.openxmlformats.org/markup-compatibility/2006" xmlns="">
+      <p15:sldGuideLst xmlns="" xmlns:mc="http://schemas.openxmlformats.org/markup-compatibility/2006" xmlns:mv="urn:schemas-microsoft-com:mac:vml" xmlns:c="http://schemas.openxmlformats.org/drawingml/2006/chart" xmlns:dgm="http://schemas.openxmlformats.org/drawingml/2006/diagram" xmlns:o="urn:schemas-microsoft-com:office:office" xmlns:v="urn:schemas-microsoft-com:vml" xmlns:pvml="urn:schemas-microsoft-com:office:powerpoint" xmlns:com="http://schemas.openxmlformats.org/drawingml/2006/compatibility" xmlns:p14="http://schemas.microsoft.com/office/powerpoint/2010/main" xmlns:p15="http://schemas.microsoft.com/office/powerpoint/2012/main" xmlns:ahyp="http://schemas.microsoft.com/office/drawing/2018/hyperlinkcolor">
         <p15:guide id="1" orient="horz" pos="3368">
           <p15:clr>
             <a:srgbClr val="A4A3A4"/>
@@ -6022,24 +6022,142 @@
               <a:buNone/>
             </a:pPr>
             <a:r>
-              <a:rPr lang="en-US" sz="900" dirty="0" smtClean="0"/>
+              <a:rPr lang="en-US" sz="900" dirty="0" smtClean="0">
+                <a:solidFill>
+                  <a:schemeClr val="tx1"/>
+                </a:solidFill>
+                <a:latin typeface="Roboto" charset="0"/>
+                <a:ea typeface="Roboto" charset="0"/>
+              </a:rPr>
               <a:t>Creating a database and organizing work with it through the application together with a team of developers in Python</a:t>
             </a:r>
             <a:r>
               <a:rPr lang="uk" sz="900" dirty="0" smtClean="0">
                 <a:solidFill>
-                  <a:srgbClr val="666666"/>
+                  <a:schemeClr val="tx1"/>
+                </a:solidFill>
+                <a:latin typeface="Roboto" charset="0"/>
+                <a:ea typeface="Roboto" charset="0"/>
+                <a:cs typeface="Roboto"/>
+                <a:sym typeface="Roboto"/>
+              </a:rPr>
+              <a:t>.</a:t>
+            </a:r>
+            <a:endParaRPr sz="900" dirty="0" smtClean="0">
+              <a:solidFill>
+                <a:schemeClr val="tx1"/>
+              </a:solidFill>
+              <a:latin typeface="Roboto" charset="0"/>
+              <a:ea typeface="Roboto" charset="0"/>
+              <a:cs typeface="Roboto"/>
+              <a:sym typeface="Roboto"/>
+            </a:endParaRPr>
+          </a:p>
+          <a:p>
+            <a:pPr marL="0" marR="190500" lvl="0" indent="0">
+              <a:lnSpc>
+                <a:spcPct val="150000"/>
+              </a:lnSpc>
+              <a:spcBef>
+                <a:spcPts val="600"/>
+              </a:spcBef>
+              <a:buNone/>
+            </a:pPr>
+            <a:r>
+              <a:rPr lang="en-US" sz="1100" b="1" dirty="0" smtClean="0">
+                <a:solidFill>
+                  <a:schemeClr val="tx1"/>
+                </a:solidFill>
+                <a:latin typeface="Roboto" charset="0"/>
+                <a:ea typeface="Roboto" charset="0"/>
+              </a:rPr>
+              <a:t>City bus driver </a:t>
+            </a:r>
+            <a:r>
+              <a:rPr lang="uk" sz="1100" dirty="0" smtClean="0">
+                <a:solidFill>
+                  <a:srgbClr val="000000"/>
                 </a:solidFill>
                 <a:latin typeface="Roboto"/>
                 <a:ea typeface="Roboto"/>
                 <a:cs typeface="Roboto"/>
                 <a:sym typeface="Roboto"/>
               </a:rPr>
-              <a:t>.</a:t>
-            </a:r>
-            <a:endParaRPr sz="900" dirty="0" smtClean="0">
+              <a:t>- </a:t>
+            </a:r>
+            <a:r>
+              <a:rPr lang="en-US" sz="1100" dirty="0" smtClean="0">
+                <a:solidFill>
+                  <a:schemeClr val="tx1"/>
+                </a:solidFill>
+                <a:latin typeface="Roboto" charset="0"/>
+                <a:ea typeface="Roboto" charset="0"/>
+              </a:rPr>
+              <a:t>LLC SEVER TRANS </a:t>
+            </a:r>
+            <a:r>
+              <a:rPr lang="uk" sz="1100" dirty="0" smtClean="0">
+                <a:solidFill>
+                  <a:srgbClr val="000000"/>
+                </a:solidFill>
+                <a:latin typeface="Roboto"/>
+                <a:ea typeface="Roboto"/>
+                <a:cs typeface="Roboto"/>
+                <a:sym typeface="Roboto"/>
+              </a:rPr>
+              <a:t>, </a:t>
+            </a:r>
+            <a:r>
+              <a:rPr lang="en-US" sz="1100" dirty="0" err="1" smtClean="0">
+                <a:solidFill>
+                  <a:srgbClr val="000000"/>
+                </a:solidFill>
+                <a:latin typeface="Roboto"/>
+                <a:ea typeface="Roboto"/>
+                <a:cs typeface="Roboto"/>
+                <a:sym typeface="Roboto"/>
+              </a:rPr>
+              <a:t>Kriviy</a:t>
+            </a:r>
+            <a:r>
+              <a:rPr lang="en-US" sz="1100" dirty="0" smtClean="0">
+                <a:solidFill>
+                  <a:srgbClr val="000000"/>
+                </a:solidFill>
+                <a:latin typeface="Roboto"/>
+                <a:ea typeface="Roboto"/>
+                <a:cs typeface="Roboto"/>
+                <a:sym typeface="Roboto"/>
+              </a:rPr>
+              <a:t> </a:t>
+            </a:r>
+            <a:r>
+              <a:rPr lang="en-US" sz="1100" dirty="0" err="1" smtClean="0">
+                <a:solidFill>
+                  <a:srgbClr val="000000"/>
+                </a:solidFill>
+                <a:latin typeface="Roboto"/>
+                <a:ea typeface="Roboto"/>
+                <a:cs typeface="Roboto"/>
+                <a:sym typeface="Roboto"/>
+              </a:rPr>
+              <a:t>Rih</a:t>
+            </a:r>
+            <a:r>
+              <a:rPr lang="en-US" sz="1100" dirty="0" smtClean="0">
+                <a:solidFill>
+                  <a:srgbClr val="000000"/>
+                </a:solidFill>
+                <a:latin typeface="Roboto"/>
+                <a:ea typeface="Roboto"/>
+                <a:cs typeface="Roboto"/>
+                <a:sym typeface="Roboto"/>
+              </a:rPr>
+              <a:t>, Ukraine</a:t>
+            </a:r>
+            <a:endParaRPr lang="uk" sz="1100" dirty="0" smtClean="0">
               <a:solidFill>
-                <a:srgbClr val="666666"/>
+                <a:srgbClr val="000000"/>
               </a:solidFill>
               <a:latin typeface="Roboto"/>
               <a:ea typeface="Roboto"/>
@@ -6053,72 +6171,55 @@
                 <a:spcPct val="100000"/>
               </a:lnSpc>
               <a:spcBef>
-                <a:spcPts val="1600"/>
+                <a:spcPts val="500"/>
               </a:spcBef>
               <a:buNone/>
             </a:pPr>
             <a:r>
-              <a:rPr lang="ru-RU" sz="1100" b="1" dirty="0" smtClean="0">
-                <a:solidFill>
-                  <a:srgbClr val="000000"/>
+              <a:rPr lang="uk" sz="800" dirty="0" smtClean="0">
+                <a:solidFill>
+                  <a:srgbClr val="666666"/>
                 </a:solidFill>
                 <a:latin typeface="Roboto"/>
                 <a:ea typeface="Roboto"/>
                 <a:cs typeface="Roboto"/>
                 <a:sym typeface="Roboto"/>
               </a:rPr>
-              <a:t>Технический </a:t>
-            </a:r>
-            <a:r>
-              <a:rPr lang="ru-RU" sz="1100" b="1" dirty="0" smtClean="0">
-                <a:solidFill>
-                  <a:srgbClr val="000000"/>
-                </a:solidFill>
-                <a:latin typeface="Roboto"/>
-                <a:ea typeface="Roboto"/>
-                <a:cs typeface="Roboto"/>
-                <a:sym typeface="Roboto"/>
-              </a:rPr>
-              <a:t>консультант и продавец в магазине запчастей для автомобилей импортного производства</a:t>
-            </a:r>
-            <a:r>
-              <a:rPr lang="uk" sz="1100" b="1" dirty="0" smtClean="0">
-                <a:solidFill>
-                  <a:srgbClr val="000000"/>
-                </a:solidFill>
-                <a:latin typeface="Roboto"/>
-                <a:ea typeface="Roboto"/>
-                <a:cs typeface="Roboto"/>
-                <a:sym typeface="Roboto"/>
-              </a:rPr>
-              <a:t> </a:t>
-            </a:r>
-            <a:r>
-              <a:rPr lang="uk" sz="1100" dirty="0" smtClean="0">
-                <a:solidFill>
-                  <a:srgbClr val="000000"/>
-                </a:solidFill>
-                <a:latin typeface="Roboto"/>
-                <a:ea typeface="Roboto"/>
-                <a:cs typeface="Roboto"/>
-                <a:sym typeface="Roboto"/>
-              </a:rPr>
-              <a:t> - </a:t>
-            </a:r>
-            <a:r>
-              <a:rPr lang="en-US" sz="1100" dirty="0" smtClean="0">
+              <a:t>September 2014 – PRESENT</a:t>
+            </a:r>
+          </a:p>
+          <a:p>
+            <a:pPr marL="0" marR="190500" lvl="0" indent="0">
+              <a:lnSpc>
+                <a:spcPct val="130000"/>
+              </a:lnSpc>
+              <a:spcBef>
+                <a:spcPts val="600"/>
+              </a:spcBef>
+              <a:buNone/>
+            </a:pPr>
+            <a:r>
+              <a:rPr lang="en-US" sz="900" dirty="0" smtClean="0">
+                <a:solidFill>
+                  <a:schemeClr val="tx1"/>
+                </a:solidFill>
                 <a:latin typeface="Roboto" charset="0"/>
                 <a:ea typeface="Roboto" charset="0"/>
               </a:rPr>
-              <a:t>Bosch Car </a:t>
-            </a:r>
-            <a:endParaRPr lang="ru-RU" sz="1100" dirty="0" smtClean="0">
+              <a:t>Vehicle maintenance and support in a technically sound condition, safe transportation of passengers along the city route.</a:t>
+            </a:r>
+            <a:endParaRPr lang="ru-RU" sz="900" dirty="0" smtClean="0">
+              <a:solidFill>
+                <a:schemeClr val="tx1"/>
+              </a:solidFill>
               <a:latin typeface="Roboto" charset="0"/>
               <a:ea typeface="Roboto" charset="0"/>
+              <a:cs typeface="Roboto"/>
+              <a:sym typeface="Roboto"/>
             </a:endParaRPr>
           </a:p>
           <a:p>
-            <a:pPr marL="0" marR="190500" indent="0">
+            <a:pPr marL="0" marR="190500" lvl="0" indent="0">
               <a:lnSpc>
                 <a:spcPct val="100000"/>
               </a:lnSpc>
@@ -6128,29 +6229,118 @@
               <a:buNone/>
             </a:pPr>
             <a:r>
-              <a:rPr lang="en-US" sz="1100" dirty="0" smtClean="0">
+              <a:rPr lang="en-US" sz="1100" b="1" dirty="0" smtClean="0">
+                <a:solidFill>
+                  <a:schemeClr val="tx1"/>
+                </a:solidFill>
                 <a:latin typeface="Roboto" charset="0"/>
                 <a:ea typeface="Roboto" charset="0"/>
               </a:rPr>
-              <a:t>Service</a:t>
-            </a:r>
-            <a:r>
-              <a:rPr lang="ru-RU" sz="1100" dirty="0" smtClean="0">
+              <a:t>Technical </a:t>
+            </a:r>
+            <a:r>
+              <a:rPr lang="en-US" sz="1100" b="1" dirty="0" smtClean="0">
+                <a:solidFill>
+                  <a:schemeClr val="tx1"/>
+                </a:solidFill>
                 <a:latin typeface="Roboto" charset="0"/>
                 <a:ea typeface="Roboto" charset="0"/>
               </a:rPr>
-              <a:t>,Кривой </a:t>
-            </a:r>
-            <a:r>
-              <a:rPr lang="ru-RU" sz="1100" dirty="0" err="1" smtClean="0">
+              <a:t>consultant and salesperson in a spare parts store for imported cars </a:t>
+            </a:r>
+            <a:r>
+              <a:rPr lang="uk" sz="1100" dirty="0" smtClean="0">
+                <a:solidFill>
+                  <a:schemeClr val="tx1"/>
+                </a:solidFill>
+                <a:latin typeface="Roboto"/>
+                <a:ea typeface="Roboto"/>
+                <a:cs typeface="Roboto"/>
+                <a:sym typeface="Roboto"/>
+              </a:rPr>
+              <a:t>- </a:t>
+            </a:r>
+            <a:r>
+              <a:rPr lang="en-US" sz="1100" dirty="0" smtClean="0">
+                <a:solidFill>
+                  <a:schemeClr val="tx1"/>
+                </a:solidFill>
                 <a:latin typeface="Roboto" charset="0"/>
                 <a:ea typeface="Roboto" charset="0"/>
               </a:rPr>
-              <a:t>Рог,Украина</a:t>
+              <a:t>Bosch Car </a:t>
+            </a:r>
+            <a:r>
+              <a:rPr lang="en-US" sz="1100" dirty="0" smtClean="0">
+                <a:solidFill>
+                  <a:schemeClr val="tx1"/>
+                </a:solidFill>
+                <a:latin typeface="Roboto" charset="0"/>
+                <a:ea typeface="Roboto" charset="0"/>
+              </a:rPr>
+              <a:t>Service</a:t>
+            </a:r>
+            <a:r>
+              <a:rPr lang="ru-RU" sz="1100" dirty="0" smtClean="0">
+                <a:solidFill>
+                  <a:schemeClr val="tx1"/>
+                </a:solidFill>
+                <a:latin typeface="Roboto" charset="0"/>
+                <a:ea typeface="Roboto" charset="0"/>
+              </a:rPr>
+              <a:t>,</a:t>
+            </a:r>
+            <a:r>
+              <a:rPr lang="en-US" sz="1100" dirty="0" smtClean="0">
+                <a:solidFill>
+                  <a:srgbClr val="000000"/>
+                </a:solidFill>
+                <a:latin typeface="Roboto"/>
+                <a:ea typeface="Roboto"/>
+                <a:cs typeface="Roboto"/>
+                <a:sym typeface="Roboto"/>
+              </a:rPr>
+              <a:t> </a:t>
+            </a:r>
+            <a:r>
+              <a:rPr lang="en-US" sz="1100" dirty="0" err="1" smtClean="0">
+                <a:solidFill>
+                  <a:srgbClr val="000000"/>
+                </a:solidFill>
+                <a:latin typeface="Roboto"/>
+                <a:ea typeface="Roboto"/>
+                <a:cs typeface="Roboto"/>
+                <a:sym typeface="Roboto"/>
+              </a:rPr>
+              <a:t>Kriviy</a:t>
+            </a:r>
+            <a:r>
+              <a:rPr lang="en-US" sz="1100" dirty="0" smtClean="0">
+                <a:solidFill>
+                  <a:srgbClr val="000000"/>
+                </a:solidFill>
+                <a:latin typeface="Roboto"/>
+                <a:ea typeface="Roboto"/>
+                <a:cs typeface="Roboto"/>
+                <a:sym typeface="Roboto"/>
+              </a:rPr>
+              <a:t> </a:t>
+            </a:r>
+            <a:r>
+              <a:rPr lang="en-US" sz="1100" dirty="0" err="1" smtClean="0">
+                <a:solidFill>
+                  <a:srgbClr val="000000"/>
+                </a:solidFill>
+                <a:latin typeface="Roboto"/>
+                <a:ea typeface="Roboto"/>
+                <a:cs typeface="Roboto"/>
+                <a:sym typeface="Roboto"/>
+              </a:rPr>
+              <a:t>Rih,Ukraine</a:t>
             </a:r>
             <a:endParaRPr sz="1100" i="1" dirty="0" smtClean="0">
               <a:solidFill>
-                <a:srgbClr val="000000"/>
+                <a:schemeClr val="tx1"/>
               </a:solidFill>
               <a:latin typeface="Roboto" charset="0"/>
               <a:ea typeface="Roboto" charset="0"/>
@@ -6172,7 +6362,7 @@
               <a:buNone/>
             </a:pPr>
             <a:r>
-              <a:rPr lang="uk" sz="800" dirty="0" smtClean="0">
+              <a:rPr lang="en-US" sz="800" dirty="0" smtClean="0">
                 <a:solidFill>
                   <a:srgbClr val="666666"/>
                 </a:solidFill>
@@ -6181,23 +6371,93 @@
                 <a:cs typeface="Roboto"/>
                 <a:sym typeface="Roboto"/>
               </a:rPr>
-              <a:t>Сентябрь 2003-сентябрь 2010</a:t>
-            </a:r>
-          </a:p>
-          <a:p>
-            <a:pPr marL="0" marR="190500" lvl="0" indent="0" algn="l" rtl="0">
-              <a:lnSpc>
-                <a:spcPct val="100000"/>
-              </a:lnSpc>
-              <a:spcBef>
-                <a:spcPts val="500"/>
-              </a:spcBef>
-              <a:spcAft>
-                <a:spcPts val="0"/>
-              </a:spcAft>
-              <a:buNone/>
-            </a:pPr>
-            <a:endParaRPr sz="800" dirty="0">
+              <a:t>September </a:t>
+            </a:r>
+            <a:r>
+              <a:rPr lang="uk" sz="800" dirty="0" smtClean="0">
+                <a:solidFill>
+                  <a:srgbClr val="666666"/>
+                </a:solidFill>
+                <a:latin typeface="Roboto"/>
+                <a:ea typeface="Roboto"/>
+                <a:cs typeface="Roboto"/>
+                <a:sym typeface="Roboto"/>
+              </a:rPr>
+              <a:t> 2003</a:t>
+            </a:r>
+            <a:r>
+              <a:rPr lang="en-US" sz="800" dirty="0" smtClean="0">
+                <a:solidFill>
+                  <a:srgbClr val="666666"/>
+                </a:solidFill>
+                <a:latin typeface="Roboto"/>
+                <a:ea typeface="Roboto"/>
+                <a:cs typeface="Roboto"/>
+                <a:sym typeface="Roboto"/>
+              </a:rPr>
+              <a:t> </a:t>
+            </a:r>
+            <a:r>
+              <a:rPr lang="uk" sz="800" dirty="0" smtClean="0">
+                <a:solidFill>
+                  <a:srgbClr val="666666"/>
+                </a:solidFill>
+                <a:latin typeface="Roboto"/>
+                <a:ea typeface="Roboto"/>
+                <a:cs typeface="Roboto"/>
+                <a:sym typeface="Roboto"/>
+              </a:rPr>
+              <a:t>-</a:t>
+            </a:r>
+            <a:r>
+              <a:rPr lang="en-US" sz="800" dirty="0" smtClean="0">
+                <a:solidFill>
+                  <a:srgbClr val="666666"/>
+                </a:solidFill>
+                <a:latin typeface="Roboto"/>
+                <a:ea typeface="Roboto"/>
+                <a:cs typeface="Roboto"/>
+                <a:sym typeface="Roboto"/>
+              </a:rPr>
+              <a:t> </a:t>
+            </a:r>
+            <a:r>
+              <a:rPr lang="en-US" sz="800" dirty="0" smtClean="0">
+                <a:solidFill>
+                  <a:srgbClr val="666666"/>
+                </a:solidFill>
+                <a:latin typeface="Roboto"/>
+                <a:ea typeface="Roboto"/>
+                <a:cs typeface="Roboto"/>
+                <a:sym typeface="Roboto"/>
+              </a:rPr>
+              <a:t>S</a:t>
+            </a:r>
+            <a:r>
+              <a:rPr lang="en-US" sz="800" dirty="0" smtClean="0">
+                <a:solidFill>
+                  <a:srgbClr val="666666"/>
+                </a:solidFill>
+                <a:latin typeface="Roboto"/>
+                <a:ea typeface="Roboto"/>
+                <a:cs typeface="Roboto"/>
+                <a:sym typeface="Roboto"/>
+              </a:rPr>
+              <a:t>eptember </a:t>
+            </a:r>
+            <a:r>
+              <a:rPr lang="uk" sz="800" dirty="0" smtClean="0">
+                <a:solidFill>
+                  <a:srgbClr val="666666"/>
+                </a:solidFill>
+                <a:latin typeface="Roboto"/>
+                <a:ea typeface="Roboto"/>
+                <a:cs typeface="Roboto"/>
+                <a:sym typeface="Roboto"/>
+              </a:rPr>
+              <a:t>2010</a:t>
+            </a:r>
+            <a:endParaRPr lang="uk" sz="800" dirty="0" smtClean="0">
               <a:solidFill>
                 <a:srgbClr val="666666"/>
               </a:solidFill>
@@ -6218,457 +6478,36 @@
               <a:buNone/>
             </a:pPr>
             <a:r>
-              <a:rPr lang="ru-RU" sz="900" dirty="0" smtClean="0">
-                <a:solidFill>
-                  <a:srgbClr val="666666"/>
-                </a:solidFill>
-                <a:latin typeface="Roboto"/>
-                <a:ea typeface="Roboto"/>
-                <a:cs typeface="Roboto"/>
-                <a:sym typeface="Roboto"/>
-              </a:rPr>
-              <a:t>Технические </a:t>
-            </a:r>
-            <a:r>
-              <a:rPr lang="ru-RU" sz="900" dirty="0" smtClean="0">
-                <a:solidFill>
-                  <a:srgbClr val="666666"/>
-                </a:solidFill>
-                <a:latin typeface="Roboto"/>
-                <a:ea typeface="Roboto"/>
-                <a:cs typeface="Roboto"/>
-                <a:sym typeface="Roboto"/>
-              </a:rPr>
-              <a:t>консультации </a:t>
-            </a:r>
-            <a:r>
-              <a:rPr lang="ru-RU" sz="900" dirty="0" smtClean="0">
-                <a:solidFill>
-                  <a:srgbClr val="666666"/>
-                </a:solidFill>
-                <a:latin typeface="Roboto"/>
-                <a:ea typeface="Roboto"/>
-                <a:cs typeface="Roboto"/>
-                <a:sym typeface="Roboto"/>
-              </a:rPr>
-              <a:t>,поиск </a:t>
-            </a:r>
-            <a:r>
-              <a:rPr lang="ru-RU" sz="900" dirty="0" smtClean="0">
-                <a:solidFill>
-                  <a:srgbClr val="666666"/>
-                </a:solidFill>
-                <a:latin typeface="Roboto"/>
-                <a:ea typeface="Roboto"/>
-                <a:cs typeface="Roboto"/>
-                <a:sym typeface="Roboto"/>
-              </a:rPr>
-              <a:t>и </a:t>
-            </a:r>
-            <a:r>
-              <a:rPr lang="ru-RU" sz="900" dirty="0" smtClean="0">
-                <a:solidFill>
-                  <a:srgbClr val="666666"/>
-                </a:solidFill>
-                <a:latin typeface="Roboto"/>
-                <a:ea typeface="Roboto"/>
-                <a:cs typeface="Roboto"/>
-                <a:sym typeface="Roboto"/>
-              </a:rPr>
-              <a:t>подбор </a:t>
-            </a:r>
-            <a:r>
-              <a:rPr lang="ru-RU" sz="900" dirty="0" smtClean="0">
-                <a:solidFill>
-                  <a:srgbClr val="666666"/>
-                </a:solidFill>
-                <a:latin typeface="Roboto"/>
-                <a:ea typeface="Roboto"/>
-                <a:cs typeface="Roboto"/>
-                <a:sym typeface="Roboto"/>
-              </a:rPr>
-              <a:t>запчастей по</a:t>
+              <a:rPr lang="en-US" sz="900" dirty="0" smtClean="0">
+                <a:solidFill>
+                  <a:schemeClr val="tx1"/>
+                </a:solidFill>
+                <a:latin typeface="Roboto" charset="0"/>
+                <a:ea typeface="Roboto" charset="0"/>
+              </a:rPr>
+              <a:t>Technical consultations, search and selection of spare parts for special programs for cars and ordering, selection of the assortment of the store and the organization of filling the warehouse of spare parts, quality control of goods</a:t>
+            </a:r>
+            <a:r>
+              <a:rPr lang="en-US" sz="900" dirty="0" smtClean="0">
+                <a:solidFill>
+                  <a:schemeClr val="tx1"/>
+                </a:solidFill>
+                <a:latin typeface="Roboto" charset="0"/>
+                <a:ea typeface="Roboto" charset="0"/>
+              </a:rPr>
+              <a:t>.</a:t>
             </a:r>
           </a:p>
           <a:p>
             <a:pPr marL="0" marR="190500" lvl="0" indent="0">
               <a:lnSpc>
-                <a:spcPct val="130000"/>
+                <a:spcPct val="200000"/>
               </a:lnSpc>
               <a:spcBef>
                 <a:spcPts val="600"/>
               </a:spcBef>
               <a:buNone/>
             </a:pPr>
-            <a:r>
-              <a:rPr lang="ru-RU" sz="900" dirty="0" smtClean="0">
-                <a:solidFill>
-                  <a:srgbClr val="666666"/>
-                </a:solidFill>
-                <a:latin typeface="Roboto"/>
-                <a:ea typeface="Roboto"/>
-                <a:cs typeface="Roboto"/>
-                <a:sym typeface="Roboto"/>
-              </a:rPr>
-              <a:t>специальным программам для </a:t>
-            </a:r>
-            <a:r>
-              <a:rPr lang="ru-RU" sz="900" dirty="0" smtClean="0">
-                <a:solidFill>
-                  <a:srgbClr val="666666"/>
-                </a:solidFill>
-                <a:latin typeface="Roboto"/>
-                <a:ea typeface="Roboto"/>
-                <a:cs typeface="Roboto"/>
-                <a:sym typeface="Roboto"/>
-              </a:rPr>
-              <a:t>автомобилей  </a:t>
-            </a:r>
-            <a:r>
-              <a:rPr lang="ru-RU" sz="900" dirty="0" smtClean="0">
-                <a:solidFill>
-                  <a:srgbClr val="666666"/>
-                </a:solidFill>
-                <a:latin typeface="Roboto"/>
-                <a:ea typeface="Roboto"/>
-                <a:cs typeface="Roboto"/>
-                <a:sym typeface="Roboto"/>
-              </a:rPr>
-              <a:t>и оформление заказов ,</a:t>
-            </a:r>
-          </a:p>
-          <a:p>
-            <a:pPr marL="0" marR="190500" lvl="0" indent="0">
-              <a:lnSpc>
-                <a:spcPct val="130000"/>
-              </a:lnSpc>
-              <a:spcBef>
-                <a:spcPts val="600"/>
-              </a:spcBef>
-              <a:buNone/>
-            </a:pPr>
-            <a:r>
-              <a:rPr lang="ru-RU" sz="900" dirty="0" smtClean="0">
-                <a:solidFill>
-                  <a:srgbClr val="666666"/>
-                </a:solidFill>
-                <a:latin typeface="Roboto"/>
-                <a:ea typeface="Roboto"/>
-                <a:cs typeface="Roboto"/>
-                <a:sym typeface="Roboto"/>
-              </a:rPr>
-              <a:t>подбор ассортимента магазина и организация заполнения склада запчастей, контроль качества товаров. </a:t>
-            </a:r>
-            <a:endParaRPr lang="ru-RU" sz="900" dirty="0" smtClean="0">
-              <a:solidFill>
-                <a:srgbClr val="666666"/>
-              </a:solidFill>
-              <a:latin typeface="Roboto"/>
-              <a:ea typeface="Roboto"/>
-              <a:cs typeface="Roboto"/>
-              <a:sym typeface="Roboto"/>
-            </a:endParaRPr>
-          </a:p>
-          <a:p>
-            <a:pPr marL="0" marR="190500" lvl="0" indent="0">
-              <a:lnSpc>
-                <a:spcPct val="130000"/>
-              </a:lnSpc>
-              <a:spcBef>
-                <a:spcPts val="600"/>
-              </a:spcBef>
-              <a:buNone/>
-            </a:pPr>
-            <a:r>
-              <a:rPr lang="ru-RU" sz="1100" b="1" dirty="0" smtClean="0">
-                <a:solidFill>
-                  <a:srgbClr val="000000"/>
-                </a:solidFill>
-                <a:latin typeface="Roboto"/>
-                <a:ea typeface="Roboto"/>
-                <a:cs typeface="Roboto"/>
-                <a:sym typeface="Roboto"/>
-              </a:rPr>
-              <a:t>В</a:t>
-            </a:r>
-            <a:r>
-              <a:rPr lang="ru-RU" sz="1100" b="1" dirty="0" smtClean="0">
-                <a:solidFill>
-                  <a:srgbClr val="000000"/>
-                </a:solidFill>
-                <a:latin typeface="Roboto"/>
-                <a:ea typeface="Roboto"/>
-                <a:cs typeface="Roboto"/>
-                <a:sym typeface="Roboto"/>
-              </a:rPr>
-              <a:t>одитель </a:t>
-            </a:r>
-            <a:r>
-              <a:rPr lang="ru-RU" sz="1100" b="1" dirty="0" smtClean="0">
-                <a:solidFill>
-                  <a:srgbClr val="000000"/>
-                </a:solidFill>
-                <a:latin typeface="Roboto"/>
-                <a:ea typeface="Roboto"/>
-                <a:cs typeface="Roboto"/>
-                <a:sym typeface="Roboto"/>
-              </a:rPr>
-              <a:t>городского автобуса</a:t>
-            </a:r>
-            <a:r>
-              <a:rPr lang="uk" sz="1100" b="1" dirty="0" smtClean="0">
-                <a:solidFill>
-                  <a:srgbClr val="000000"/>
-                </a:solidFill>
-                <a:latin typeface="Roboto"/>
-                <a:ea typeface="Roboto"/>
-                <a:cs typeface="Roboto"/>
-                <a:sym typeface="Roboto"/>
-              </a:rPr>
-              <a:t> </a:t>
-            </a:r>
-            <a:r>
-              <a:rPr lang="uk" sz="1100" dirty="0" smtClean="0">
-                <a:solidFill>
-                  <a:srgbClr val="000000"/>
-                </a:solidFill>
-                <a:latin typeface="Roboto"/>
-                <a:ea typeface="Roboto"/>
-                <a:cs typeface="Roboto"/>
-                <a:sym typeface="Roboto"/>
-              </a:rPr>
-              <a:t> </a:t>
-            </a:r>
-            <a:r>
-              <a:rPr lang="uk" sz="1100" dirty="0">
-                <a:solidFill>
-                  <a:srgbClr val="000000"/>
-                </a:solidFill>
-                <a:latin typeface="Roboto"/>
-                <a:ea typeface="Roboto"/>
-                <a:cs typeface="Roboto"/>
-                <a:sym typeface="Roboto"/>
-              </a:rPr>
-              <a:t>- </a:t>
-            </a:r>
-            <a:r>
-              <a:rPr lang="uk" sz="1100" dirty="0" smtClean="0">
-                <a:solidFill>
-                  <a:srgbClr val="000000"/>
-                </a:solidFill>
-                <a:latin typeface="Roboto"/>
-                <a:ea typeface="Roboto"/>
-                <a:cs typeface="Roboto"/>
-                <a:sym typeface="Roboto"/>
-              </a:rPr>
-              <a:t>ПАТ Севертранс,</a:t>
-            </a:r>
-          </a:p>
-          <a:p>
-            <a:pPr marL="0" marR="190500" lvl="0" indent="0">
-              <a:lnSpc>
-                <a:spcPct val="130000"/>
-              </a:lnSpc>
-              <a:spcBef>
-                <a:spcPts val="600"/>
-              </a:spcBef>
-              <a:buNone/>
-            </a:pPr>
-            <a:r>
-              <a:rPr lang="uk" sz="1100" dirty="0" smtClean="0">
-                <a:solidFill>
-                  <a:srgbClr val="000000"/>
-                </a:solidFill>
-                <a:latin typeface="Roboto"/>
-                <a:ea typeface="Roboto"/>
-                <a:cs typeface="Roboto"/>
-                <a:sym typeface="Roboto"/>
-              </a:rPr>
-              <a:t>Кривой Рог,Украина</a:t>
-            </a:r>
-            <a:endParaRPr sz="1100" i="1" dirty="0">
-              <a:solidFill>
-                <a:srgbClr val="000000"/>
-              </a:solidFill>
-              <a:latin typeface="Roboto"/>
-              <a:ea typeface="Roboto"/>
-              <a:cs typeface="Roboto"/>
-              <a:sym typeface="Roboto"/>
-            </a:endParaRPr>
-          </a:p>
-          <a:p>
-            <a:pPr marL="0" marR="190500" lvl="0" indent="0" algn="l" rtl="0">
-              <a:lnSpc>
-                <a:spcPct val="100000"/>
-              </a:lnSpc>
-              <a:spcBef>
-                <a:spcPts val="500"/>
-              </a:spcBef>
-              <a:spcAft>
-                <a:spcPts val="0"/>
-              </a:spcAft>
-              <a:buNone/>
-            </a:pPr>
-            <a:r>
-              <a:rPr lang="uk" sz="800" dirty="0">
-                <a:solidFill>
-                  <a:srgbClr val="666666"/>
-                </a:solidFill>
-                <a:latin typeface="Roboto"/>
-                <a:ea typeface="Roboto"/>
-                <a:cs typeface="Roboto"/>
-                <a:sym typeface="Roboto"/>
-              </a:rPr>
-              <a:t>September </a:t>
-            </a:r>
-            <a:r>
-              <a:rPr lang="uk" sz="800" dirty="0" smtClean="0">
-                <a:solidFill>
-                  <a:srgbClr val="666666"/>
-                </a:solidFill>
-                <a:latin typeface="Roboto"/>
-                <a:ea typeface="Roboto"/>
-                <a:cs typeface="Roboto"/>
-                <a:sym typeface="Roboto"/>
-              </a:rPr>
-              <a:t>2014 – PRESENT</a:t>
-            </a:r>
-          </a:p>
-          <a:p>
-            <a:pPr marL="0" marR="190500" lvl="0" indent="0" algn="l" rtl="0">
-              <a:lnSpc>
-                <a:spcPct val="100000"/>
-              </a:lnSpc>
-              <a:spcBef>
-                <a:spcPts val="500"/>
-              </a:spcBef>
-              <a:spcAft>
-                <a:spcPts val="0"/>
-              </a:spcAft>
-              <a:buNone/>
-            </a:pPr>
-            <a:endParaRPr sz="800" dirty="0">
-              <a:solidFill>
-                <a:srgbClr val="666666"/>
-              </a:solidFill>
-              <a:latin typeface="Roboto"/>
-              <a:ea typeface="Roboto"/>
-              <a:cs typeface="Roboto"/>
-              <a:sym typeface="Roboto"/>
-            </a:endParaRPr>
-          </a:p>
-          <a:p>
-            <a:pPr marL="0" marR="190500" lvl="0" indent="0">
-              <a:lnSpc>
-                <a:spcPct val="130000"/>
-              </a:lnSpc>
-              <a:spcBef>
-                <a:spcPts val="600"/>
-              </a:spcBef>
-              <a:buNone/>
-            </a:pPr>
-            <a:r>
-              <a:rPr lang="ru-RU" sz="900" dirty="0" smtClean="0">
-                <a:solidFill>
-                  <a:srgbClr val="666666"/>
-                </a:solidFill>
-                <a:latin typeface="Roboto"/>
-                <a:ea typeface="Roboto"/>
-                <a:cs typeface="Roboto"/>
-                <a:sym typeface="Roboto"/>
-              </a:rPr>
-              <a:t>Обслуживание </a:t>
-            </a:r>
-            <a:r>
-              <a:rPr lang="ru-RU" sz="900" dirty="0" smtClean="0">
-                <a:solidFill>
-                  <a:srgbClr val="666666"/>
-                </a:solidFill>
-                <a:latin typeface="Roboto"/>
-                <a:ea typeface="Roboto"/>
-                <a:cs typeface="Roboto"/>
-                <a:sym typeface="Roboto"/>
-              </a:rPr>
-              <a:t>транспортного средства и поддержка  в технически исправном состоянии,</a:t>
-            </a:r>
-          </a:p>
-          <a:p>
-            <a:pPr marL="0" marR="190500" lvl="0" indent="0">
-              <a:lnSpc>
-                <a:spcPct val="130000"/>
-              </a:lnSpc>
-              <a:spcBef>
-                <a:spcPts val="600"/>
-              </a:spcBef>
-              <a:buNone/>
-            </a:pPr>
-            <a:r>
-              <a:rPr lang="ru-RU" sz="900" dirty="0" smtClean="0">
-                <a:solidFill>
-                  <a:srgbClr val="666666"/>
-                </a:solidFill>
-                <a:latin typeface="Roboto"/>
-                <a:ea typeface="Roboto"/>
-                <a:cs typeface="Roboto"/>
-                <a:sym typeface="Roboto"/>
-              </a:rPr>
-              <a:t>безопасная перевозка пассажиров по городскому маршруту</a:t>
-            </a:r>
-            <a:r>
-              <a:rPr lang="ru-RU" sz="900" dirty="0" smtClean="0">
-                <a:solidFill>
-                  <a:srgbClr val="666666"/>
-                </a:solidFill>
-                <a:latin typeface="Roboto"/>
-                <a:ea typeface="Roboto"/>
-                <a:cs typeface="Roboto"/>
-                <a:sym typeface="Roboto"/>
-              </a:rPr>
-              <a:t>.</a:t>
-            </a:r>
-          </a:p>
-          <a:p>
-            <a:pPr marL="0" marR="190500" lvl="0" indent="0">
-              <a:lnSpc>
-                <a:spcPct val="130000"/>
-              </a:lnSpc>
-              <a:spcBef>
-                <a:spcPts val="600"/>
-              </a:spcBef>
-              <a:buNone/>
-            </a:pPr>
-            <a:endParaRPr lang="ru-RU" sz="900" dirty="0" smtClean="0">
-              <a:solidFill>
-                <a:srgbClr val="666666"/>
-              </a:solidFill>
-              <a:latin typeface="Roboto"/>
-              <a:ea typeface="Roboto"/>
-              <a:cs typeface="Roboto"/>
-              <a:sym typeface="Roboto"/>
-            </a:endParaRPr>
-          </a:p>
-          <a:p>
-            <a:pPr marL="0" marR="190500" lvl="0" indent="0">
-              <a:lnSpc>
-                <a:spcPct val="130000"/>
-              </a:lnSpc>
-              <a:spcBef>
-                <a:spcPts val="600"/>
-              </a:spcBef>
-              <a:buNone/>
-            </a:pPr>
-            <a:r>
-              <a:rPr lang="ru-RU" sz="900" dirty="0" smtClean="0">
-                <a:solidFill>
-                  <a:srgbClr val="666666"/>
-                </a:solidFill>
-                <a:latin typeface="Roboto"/>
-                <a:ea typeface="Roboto"/>
-                <a:cs typeface="Roboto"/>
-                <a:sym typeface="Roboto"/>
-              </a:rPr>
-              <a:t> </a:t>
-            </a:r>
             <a:r>
               <a:rPr lang="uk" sz="900" b="1" dirty="0" smtClean="0">
                 <a:solidFill>
@@ -6697,7 +6536,7 @@
                 <a:spcPct val="100000"/>
               </a:lnSpc>
               <a:spcBef>
-                <a:spcPts val="1600"/>
+                <a:spcPts val="1200"/>
               </a:spcBef>
               <a:buNone/>
             </a:pPr>
@@ -6711,7 +6550,7 @@
                 <a:cs typeface="Roboto"/>
                 <a:sym typeface="Roboto"/>
               </a:rPr>
-              <a:t>Kryvyi</a:t>
+              <a:t>Kryviy</a:t>
             </a:r>
             <a:r>
               <a:rPr lang="en-US" sz="1100" b="1" dirty="0" smtClean="0">
@@ -6828,8 +6667,11 @@
                 <a:spcPct val="100000"/>
               </a:lnSpc>
               <a:spcBef>
-                <a:spcPts val="1600"/>
-              </a:spcBef>
+                <a:spcPts val="600"/>
+              </a:spcBef>
+              <a:spcAft>
+                <a:spcPts val="600"/>
+              </a:spcAft>
               <a:buNone/>
             </a:pPr>
             <a:r>
@@ -6851,8 +6693,11 @@
                 <a:spcPct val="100000"/>
               </a:lnSpc>
               <a:spcBef>
-                <a:spcPts val="1600"/>
-              </a:spcBef>
+                <a:spcPts val="600"/>
+              </a:spcBef>
+              <a:spcAft>
+                <a:spcPts val="600"/>
+              </a:spcAft>
               <a:buNone/>
             </a:pPr>
             <a:r>
@@ -6911,26 +6756,22 @@
               <a:buNone/>
             </a:pPr>
             <a:r>
-              <a:rPr lang="uk" sz="1100" b="1" dirty="0" smtClean="0">
+              <a:rPr lang="en-US" sz="1100" b="1" dirty="0" smtClean="0">
                 <a:solidFill>
                   <a:schemeClr val="tx1"/>
                 </a:solidFill>
-                <a:latin typeface="Roboto"/>
-                <a:ea typeface="Roboto"/>
-                <a:cs typeface="Roboto"/>
-                <a:sym typeface="Roboto"/>
-              </a:rPr>
-              <a:t>Создание игры сапер на </a:t>
+                <a:latin typeface="Roboto" charset="0"/>
+                <a:ea typeface="Roboto" charset="0"/>
+              </a:rPr>
+              <a:t>Creating a Minesweeper Game in </a:t>
             </a:r>
             <a:r>
               <a:rPr lang="en-US" sz="1100" b="1" dirty="0" smtClean="0">
                 <a:solidFill>
                   <a:schemeClr val="tx1"/>
                 </a:solidFill>
-                <a:latin typeface="Roboto"/>
-                <a:ea typeface="Roboto"/>
-                <a:cs typeface="Roboto"/>
-                <a:sym typeface="Roboto"/>
+                <a:latin typeface="Roboto" charset="0"/>
+                <a:ea typeface="Roboto" charset="0"/>
               </a:rPr>
               <a:t>JAVA</a:t>
             </a:r>
@@ -6938,7 +6779,7 @@
           <a:p>
             <a:pPr marL="0" marR="190500" lvl="0" indent="0">
               <a:lnSpc>
-                <a:spcPct val="100000"/>
+                <a:spcPct val="130000"/>
               </a:lnSpc>
               <a:spcBef>
                 <a:spcPts val="600"/>
@@ -6946,205 +6787,31 @@
               <a:buNone/>
             </a:pPr>
             <a:r>
-              <a:rPr lang="ru-RU" sz="1100" dirty="0" smtClean="0">
+              <a:rPr lang="en-US" sz="900" dirty="0" smtClean="0">
                 <a:solidFill>
                   <a:schemeClr val="tx1"/>
                 </a:solidFill>
-                <a:latin typeface="Roboto"/>
-                <a:ea typeface="Roboto"/>
-                <a:cs typeface="Roboto"/>
-                <a:sym typeface="Roboto"/>
-              </a:rPr>
-              <a:t>При изучении языка программирования </a:t>
-            </a:r>
-            <a:r>
-              <a:rPr lang="en-US" sz="1100" b="1" dirty="0" smtClean="0">
+                <a:latin typeface="Roboto" charset="0"/>
+                <a:ea typeface="Roboto" charset="0"/>
+              </a:rPr>
+              <a:t>While </a:t>
+            </a:r>
+            <a:r>
+              <a:rPr lang="en-US" sz="900" dirty="0" smtClean="0">
                 <a:solidFill>
                   <a:schemeClr val="tx1"/>
                 </a:solidFill>
-                <a:latin typeface="Roboto"/>
-                <a:ea typeface="Roboto"/>
-                <a:cs typeface="Roboto"/>
-                <a:sym typeface="Roboto"/>
-              </a:rPr>
-              <a:t>JAVA</a:t>
-            </a:r>
-            <a:r>
-              <a:rPr lang="en-US" sz="1100" dirty="0" smtClean="0">
-                <a:solidFill>
-                  <a:schemeClr val="tx1"/>
-                </a:solidFill>
-                <a:latin typeface="Roboto"/>
-                <a:ea typeface="Roboto"/>
-                <a:cs typeface="Roboto"/>
-                <a:sym typeface="Roboto"/>
-              </a:rPr>
-              <a:t> </a:t>
-            </a:r>
-            <a:r>
-              <a:rPr lang="ru-RU" sz="1100" dirty="0" smtClean="0">
-                <a:solidFill>
-                  <a:schemeClr val="tx1"/>
-                </a:solidFill>
-                <a:latin typeface="Roboto"/>
-                <a:ea typeface="Roboto"/>
-                <a:cs typeface="Roboto"/>
-                <a:sym typeface="Roboto"/>
-              </a:rPr>
-              <a:t>мною был </a:t>
-            </a:r>
-          </a:p>
-          <a:p>
-            <a:pPr marL="0" marR="190500" lvl="0" indent="0">
-              <a:lnSpc>
-                <a:spcPct val="100000"/>
-              </a:lnSpc>
-              <a:spcBef>
-                <a:spcPts val="600"/>
-              </a:spcBef>
-              <a:buNone/>
-            </a:pPr>
-            <a:r>
-              <a:rPr lang="ru-RU" sz="1100" dirty="0" smtClean="0">
-                <a:solidFill>
-                  <a:schemeClr val="tx1"/>
-                </a:solidFill>
-                <a:latin typeface="Roboto"/>
-                <a:ea typeface="Roboto"/>
-                <a:cs typeface="Roboto"/>
-                <a:sym typeface="Roboto"/>
-              </a:rPr>
-              <a:t>придуман и реализован алгоритм известной игры сапер</a:t>
-            </a:r>
-          </a:p>
-          <a:p>
-            <a:pPr marL="0" marR="190500" lvl="0" indent="0">
-              <a:lnSpc>
-                <a:spcPct val="100000"/>
-              </a:lnSpc>
-              <a:spcBef>
-                <a:spcPts val="600"/>
-              </a:spcBef>
-              <a:buNone/>
-            </a:pPr>
-            <a:r>
-              <a:rPr lang="ru-RU" sz="1100" dirty="0" smtClean="0">
-                <a:solidFill>
-                  <a:schemeClr val="tx1"/>
-                </a:solidFill>
-                <a:latin typeface="Roboto"/>
-                <a:ea typeface="Roboto"/>
-                <a:cs typeface="Roboto"/>
-                <a:sym typeface="Roboto"/>
-              </a:rPr>
-              <a:t>и создан </a:t>
-            </a:r>
-            <a:r>
-              <a:rPr lang="en-US" sz="1100" dirty="0" smtClean="0">
-                <a:solidFill>
-                  <a:schemeClr val="tx1"/>
-                </a:solidFill>
-                <a:latin typeface="Roboto"/>
-                <a:ea typeface="Roboto"/>
-                <a:cs typeface="Roboto"/>
-                <a:sym typeface="Roboto"/>
-              </a:rPr>
-              <a:t>GUI </a:t>
-            </a:r>
-            <a:r>
-              <a:rPr lang="ru-RU" sz="1100" dirty="0" smtClean="0">
-                <a:solidFill>
-                  <a:schemeClr val="tx1"/>
-                </a:solidFill>
-                <a:latin typeface="Roboto"/>
-                <a:ea typeface="Roboto"/>
-                <a:cs typeface="Roboto"/>
-                <a:sym typeface="Roboto"/>
-              </a:rPr>
-              <a:t>с использованием </a:t>
-            </a:r>
-            <a:r>
-              <a:rPr lang="ru-RU" sz="1100" dirty="0" err="1" smtClean="0">
-                <a:solidFill>
-                  <a:schemeClr val="tx1"/>
-                </a:solidFill>
-                <a:latin typeface="Roboto"/>
-                <a:ea typeface="Roboto"/>
-                <a:cs typeface="Roboto"/>
-                <a:sym typeface="Roboto"/>
-              </a:rPr>
-              <a:t>фреймворка</a:t>
-            </a:r>
-            <a:r>
-              <a:rPr lang="ru-RU" sz="1100" dirty="0" smtClean="0">
-                <a:solidFill>
-                  <a:schemeClr val="tx1"/>
-                </a:solidFill>
-                <a:latin typeface="Roboto"/>
-                <a:ea typeface="Roboto"/>
-                <a:cs typeface="Roboto"/>
-                <a:sym typeface="Roboto"/>
-              </a:rPr>
-              <a:t> </a:t>
-            </a:r>
-            <a:r>
-              <a:rPr lang="en-US" sz="1100" b="1" dirty="0" smtClean="0">
-                <a:solidFill>
-                  <a:schemeClr val="tx1"/>
-                </a:solidFill>
-                <a:latin typeface="Roboto"/>
-                <a:ea typeface="Roboto"/>
-                <a:cs typeface="Roboto"/>
-                <a:sym typeface="Roboto"/>
-              </a:rPr>
-              <a:t>Swing.</a:t>
-            </a:r>
-            <a:endParaRPr lang="uk" sz="1100" b="1" dirty="0" smtClean="0">
+                <a:latin typeface="Roboto" charset="0"/>
+                <a:ea typeface="Roboto" charset="0"/>
+              </a:rPr>
+              <a:t>learning the JAVA programming language, I was invented and implemented the algorithm of the famous sapper game and created a GUI using the Swing framework.</a:t>
+            </a:r>
+            <a:endParaRPr sz="900" b="1" dirty="0">
               <a:solidFill>
                 <a:schemeClr val="tx1"/>
               </a:solidFill>
-              <a:latin typeface="Roboto"/>
-              <a:ea typeface="Roboto"/>
-              <a:cs typeface="Roboto"/>
-              <a:sym typeface="Roboto"/>
-            </a:endParaRPr>
-          </a:p>
-          <a:p>
-            <a:pPr marL="0" marR="190500" lvl="0" indent="0">
-              <a:lnSpc>
-                <a:spcPct val="100000"/>
-              </a:lnSpc>
-              <a:spcBef>
-                <a:spcPts val="1600"/>
-              </a:spcBef>
-              <a:buNone/>
-            </a:pPr>
-            <a:endParaRPr lang="uk" sz="900" b="1" dirty="0" smtClean="0">
-              <a:solidFill>
-                <a:schemeClr val="tx1"/>
-              </a:solidFill>
-              <a:latin typeface="Roboto"/>
-              <a:ea typeface="Roboto"/>
-              <a:cs typeface="Roboto"/>
-              <a:sym typeface="Roboto"/>
-            </a:endParaRPr>
-          </a:p>
-          <a:p>
-            <a:pPr marL="0" marR="190500" lvl="0" indent="0">
-              <a:lnSpc>
-                <a:spcPct val="100000"/>
-              </a:lnSpc>
-              <a:spcBef>
-                <a:spcPts val="1600"/>
-              </a:spcBef>
-              <a:buNone/>
-            </a:pPr>
-            <a:endParaRPr sz="1100" b="1" dirty="0">
-              <a:solidFill>
-                <a:schemeClr val="tx1"/>
-              </a:solidFill>
-              <a:latin typeface="Roboto"/>
-              <a:ea typeface="Roboto"/>
+              <a:latin typeface="Roboto" charset="0"/>
+              <a:ea typeface="Roboto" charset="0"/>
               <a:cs typeface="Roboto"/>
               <a:sym typeface="Roboto"/>
             </a:endParaRPr>
@@ -7242,10 +6909,10 @@
             <a:r>
               <a:rPr lang="en-US" sz="900" dirty="0" err="1" smtClean="0">
                 <a:solidFill>
-                  <a:srgbClr val="666666"/>
-                </a:solidFill>
-                <a:latin typeface="Roboto"/>
-                <a:ea typeface="Roboto"/>
+                  <a:schemeClr val="tx1"/>
+                </a:solidFill>
+                <a:latin typeface="Roboto" charset="0"/>
+                <a:ea typeface="Roboto" charset="0"/>
                 <a:cs typeface="Roboto"/>
                 <a:sym typeface="Roboto"/>
               </a:rPr>
@@ -7254,10 +6921,10 @@
             <a:r>
               <a:rPr lang="uk" sz="900" dirty="0" smtClean="0">
                 <a:solidFill>
-                  <a:srgbClr val="666666"/>
-                </a:solidFill>
-                <a:latin typeface="Roboto"/>
-                <a:ea typeface="Roboto"/>
+                  <a:schemeClr val="tx1"/>
+                </a:solidFill>
+                <a:latin typeface="Roboto" charset="0"/>
+                <a:ea typeface="Roboto" charset="0"/>
                 <a:cs typeface="Roboto"/>
                 <a:sym typeface="Roboto"/>
               </a:rPr>
@@ -7266,10 +6933,10 @@
             <a:r>
               <a:rPr lang="uk" sz="900" dirty="0">
                 <a:solidFill>
-                  <a:srgbClr val="666666"/>
-                </a:solidFill>
-                <a:latin typeface="Roboto"/>
-                <a:ea typeface="Roboto"/>
+                  <a:schemeClr val="tx1"/>
+                </a:solidFill>
+                <a:latin typeface="Roboto" charset="0"/>
+                <a:ea typeface="Roboto" charset="0"/>
                 <a:cs typeface="Roboto"/>
                 <a:sym typeface="Roboto"/>
               </a:rPr>
@@ -7277,10 +6944,10 @@
             </a:r>
             <a:endParaRPr sz="900" dirty="0">
               <a:solidFill>
-                <a:srgbClr val="666666"/>
+                <a:schemeClr val="tx1"/>
               </a:solidFill>
-              <a:latin typeface="Roboto"/>
-              <a:ea typeface="Roboto"/>
+              <a:latin typeface="Roboto" charset="0"/>
+              <a:ea typeface="Roboto" charset="0"/>
               <a:cs typeface="Roboto"/>
               <a:sym typeface="Roboto"/>
             </a:endParaRPr>
@@ -7301,10 +6968,10 @@
             <a:r>
               <a:rPr lang="en-US" sz="900" dirty="0" smtClean="0">
                 <a:solidFill>
-                  <a:srgbClr val="666666"/>
-                </a:solidFill>
-                <a:latin typeface="Roboto"/>
-                <a:ea typeface="Roboto"/>
+                  <a:schemeClr val="tx1"/>
+                </a:solidFill>
+                <a:latin typeface="Roboto" charset="0"/>
+                <a:ea typeface="Roboto" charset="0"/>
                 <a:cs typeface="Roboto"/>
                 <a:sym typeface="Roboto"/>
               </a:rPr>
@@ -7313,10 +6980,10 @@
             <a:r>
               <a:rPr lang="uk" sz="900" dirty="0" smtClean="0">
                 <a:solidFill>
-                  <a:srgbClr val="666666"/>
-                </a:solidFill>
-                <a:latin typeface="Roboto"/>
-                <a:ea typeface="Roboto"/>
+                  <a:schemeClr val="tx1"/>
+                </a:solidFill>
+                <a:latin typeface="Roboto" charset="0"/>
+                <a:ea typeface="Roboto" charset="0"/>
                 <a:cs typeface="Roboto"/>
                 <a:sym typeface="Roboto"/>
               </a:rPr>
@@ -7325,10 +6992,10 @@
             <a:r>
               <a:rPr lang="uk" sz="900" dirty="0">
                 <a:solidFill>
-                  <a:srgbClr val="666666"/>
-                </a:solidFill>
-                <a:latin typeface="Roboto"/>
-                <a:ea typeface="Roboto"/>
+                  <a:schemeClr val="tx1"/>
+                </a:solidFill>
+                <a:latin typeface="Roboto" charset="0"/>
+                <a:ea typeface="Roboto" charset="0"/>
                 <a:cs typeface="Roboto"/>
                 <a:sym typeface="Roboto"/>
               </a:rPr>
@@ -7336,10 +7003,10 @@
             </a:r>
             <a:endParaRPr sz="900" dirty="0">
               <a:solidFill>
-                <a:srgbClr val="666666"/>
+                <a:schemeClr val="tx1"/>
               </a:solidFill>
-              <a:latin typeface="Roboto"/>
-              <a:ea typeface="Roboto"/>
+              <a:latin typeface="Roboto" charset="0"/>
+              <a:ea typeface="Roboto" charset="0"/>
               <a:cs typeface="Roboto"/>
               <a:sym typeface="Roboto"/>
             </a:endParaRPr>
@@ -7360,10 +7027,10 @@
             <a:r>
               <a:rPr lang="uk" sz="900" dirty="0">
                 <a:solidFill>
-                  <a:srgbClr val="666666"/>
-                </a:solidFill>
-                <a:latin typeface="Roboto"/>
-                <a:ea typeface="Roboto"/>
+                  <a:schemeClr val="tx1"/>
+                </a:solidFill>
+                <a:latin typeface="Roboto" charset="0"/>
+                <a:ea typeface="Roboto" charset="0"/>
                 <a:cs typeface="Roboto"/>
                 <a:sym typeface="Roboto"/>
               </a:rPr>
@@ -7372,10 +7039,10 @@
             <a:r>
               <a:rPr lang="uk" sz="900" dirty="0" smtClean="0">
                 <a:solidFill>
-                  <a:srgbClr val="666666"/>
-                </a:solidFill>
-                <a:latin typeface="Roboto"/>
-                <a:ea typeface="Roboto"/>
+                  <a:schemeClr val="tx1"/>
+                </a:solidFill>
+                <a:latin typeface="Roboto" charset="0"/>
+                <a:ea typeface="Roboto" charset="0"/>
                 <a:cs typeface="Roboto"/>
                 <a:sym typeface="Roboto"/>
               </a:rPr>
@@ -7393,19 +7060,21 @@
               <a:buNone/>
             </a:pPr>
             <a:r>
-              <a:rPr lang="en-US" sz="900" dirty="0" smtClean="0"/>
-              <a:t>Blind </a:t>
-            </a:r>
-            <a:r>
-              <a:rPr lang="en-US" sz="900" dirty="0" smtClean="0"/>
-              <a:t>typing</a:t>
+              <a:rPr lang="en-US" sz="900" dirty="0" smtClean="0">
+                <a:solidFill>
+                  <a:schemeClr val="tx1"/>
+                </a:solidFill>
+                <a:latin typeface="Roboto" charset="0"/>
+                <a:ea typeface="Roboto" charset="0"/>
+              </a:rPr>
+              <a:t>Blind typing</a:t>
             </a:r>
             <a:endParaRPr sz="900" dirty="0">
               <a:solidFill>
-                <a:srgbClr val="666666"/>
+                <a:schemeClr val="tx1"/>
               </a:solidFill>
-              <a:latin typeface="Roboto"/>
-              <a:ea typeface="Roboto"/>
+              <a:latin typeface="Roboto" charset="0"/>
+              <a:ea typeface="Roboto" charset="0"/>
               <a:cs typeface="Roboto"/>
               <a:sym typeface="Roboto"/>
             </a:endParaRPr>
@@ -7465,7 +7134,7 @@
             <a:r>
               <a:rPr lang="uk" sz="900" dirty="0" smtClean="0">
                 <a:solidFill>
-                  <a:srgbClr val="666666"/>
+                  <a:schemeClr val="tx1"/>
                 </a:solidFill>
                 <a:latin typeface="Roboto"/>
                 <a:ea typeface="Roboto"/>
@@ -7477,7 +7146,7 @@
             <a:r>
               <a:rPr lang="uk" sz="900" dirty="0">
                 <a:solidFill>
-                  <a:srgbClr val="666666"/>
+                  <a:schemeClr val="tx1"/>
                 </a:solidFill>
                 <a:latin typeface="Roboto"/>
                 <a:ea typeface="Roboto"/>
@@ -7489,7 +7158,7 @@
             <a:r>
               <a:rPr lang="en-US" sz="900" dirty="0" smtClean="0">
                 <a:solidFill>
-                  <a:srgbClr val="666666"/>
+                  <a:schemeClr val="tx1"/>
                 </a:solidFill>
                 <a:latin typeface="Roboto"/>
                 <a:ea typeface="Roboto"/>
@@ -7501,7 +7170,7 @@
             <a:r>
               <a:rPr lang="en-US" sz="900" dirty="0" err="1" smtClean="0">
                 <a:solidFill>
-                  <a:srgbClr val="666666"/>
+                  <a:schemeClr val="tx1"/>
                 </a:solidFill>
                 <a:latin typeface="Roboto"/>
                 <a:ea typeface="Roboto"/>
@@ -7513,7 +7182,7 @@
             <a:r>
               <a:rPr lang="en-US" sz="900" dirty="0" smtClean="0">
                 <a:solidFill>
-                  <a:srgbClr val="666666"/>
+                  <a:schemeClr val="tx1"/>
                 </a:solidFill>
                 <a:latin typeface="Roboto"/>
                 <a:ea typeface="Roboto"/>
@@ -7525,7 +7194,7 @@
             <a:r>
               <a:rPr lang="en-US" sz="900" dirty="0" err="1" smtClean="0">
                 <a:solidFill>
-                  <a:srgbClr val="666666"/>
+                  <a:schemeClr val="tx1"/>
                 </a:solidFill>
                 <a:latin typeface="Roboto"/>
                 <a:ea typeface="Roboto"/>
@@ -7536,7 +7205,7 @@
             </a:r>
             <a:endParaRPr sz="900" dirty="0">
               <a:solidFill>
-                <a:srgbClr val="666666"/>
+                <a:schemeClr val="tx1"/>
               </a:solidFill>
               <a:latin typeface="Roboto"/>
               <a:ea typeface="Roboto"/>
@@ -7560,7 +7229,7 @@
             <a:r>
               <a:rPr lang="en-US" sz="900" dirty="0" err="1" smtClean="0">
                 <a:solidFill>
-                  <a:srgbClr val="666666"/>
+                  <a:schemeClr val="tx1"/>
                 </a:solidFill>
                 <a:latin typeface="Roboto"/>
                 <a:ea typeface="Roboto"/>
@@ -7572,7 +7241,7 @@
             <a:r>
               <a:rPr lang="en-US" sz="900" dirty="0" smtClean="0">
                 <a:solidFill>
-                  <a:srgbClr val="666666"/>
+                  <a:schemeClr val="tx1"/>
                 </a:solidFill>
                 <a:latin typeface="Roboto"/>
                 <a:ea typeface="Roboto"/>
@@ -7584,7 +7253,7 @@
             <a:r>
               <a:rPr lang="en-US" sz="900" dirty="0" err="1" smtClean="0">
                 <a:solidFill>
-                  <a:srgbClr val="666666"/>
+                  <a:schemeClr val="tx1"/>
                 </a:solidFill>
                 <a:latin typeface="Roboto"/>
                 <a:ea typeface="Roboto"/>
@@ -7595,7 +7264,7 @@
             </a:r>
             <a:endParaRPr sz="900" dirty="0">
               <a:solidFill>
-                <a:srgbClr val="666666"/>
+                <a:schemeClr val="tx1"/>
               </a:solidFill>
               <a:latin typeface="Roboto"/>
               <a:ea typeface="Roboto"/>
@@ -7619,7 +7288,7 @@
             <a:r>
               <a:rPr lang="uk" sz="900" dirty="0">
                 <a:solidFill>
-                  <a:srgbClr val="666666"/>
+                  <a:schemeClr val="tx1"/>
                 </a:solidFill>
                 <a:latin typeface="Roboto"/>
                 <a:ea typeface="Roboto"/>
@@ -7630,7 +7299,7 @@
             </a:r>
             <a:endParaRPr sz="900" dirty="0">
               <a:solidFill>
-                <a:srgbClr val="666666"/>
+                <a:schemeClr val="tx1"/>
               </a:solidFill>
               <a:latin typeface="Roboto"/>
               <a:ea typeface="Roboto"/>
@@ -7651,7 +7320,7 @@
             <a:r>
               <a:rPr lang="en-US" sz="900" dirty="0" err="1" smtClean="0">
                 <a:solidFill>
-                  <a:srgbClr val="666666"/>
+                  <a:schemeClr val="tx1"/>
                 </a:solidFill>
                 <a:latin typeface="Roboto"/>
                 <a:ea typeface="Roboto"/>
@@ -7663,7 +7332,7 @@
             <a:r>
               <a:rPr lang="en-US" sz="900" dirty="0" smtClean="0">
                 <a:solidFill>
-                  <a:srgbClr val="666666"/>
+                  <a:schemeClr val="tx1"/>
                 </a:solidFill>
                 <a:latin typeface="Roboto"/>
                 <a:ea typeface="Roboto"/>
@@ -7674,7 +7343,7 @@
             </a:r>
             <a:endParaRPr sz="900" dirty="0">
               <a:solidFill>
-                <a:srgbClr val="666666"/>
+                <a:schemeClr val="tx1"/>
               </a:solidFill>
               <a:latin typeface="Roboto"/>
               <a:ea typeface="Roboto"/>
@@ -7698,7 +7367,7 @@
             <a:r>
               <a:rPr lang="uk" sz="900" dirty="0" smtClean="0">
                 <a:solidFill>
-                  <a:srgbClr val="666666"/>
+                  <a:schemeClr val="tx1"/>
                 </a:solidFill>
                 <a:latin typeface="Roboto"/>
                 <a:ea typeface="Roboto"/>
@@ -7710,7 +7379,7 @@
             <a:r>
               <a:rPr lang="en-US" sz="900" dirty="0" smtClean="0">
                 <a:solidFill>
-                  <a:srgbClr val="666666"/>
+                  <a:schemeClr val="tx1"/>
                 </a:solidFill>
                 <a:latin typeface="Roboto"/>
                 <a:ea typeface="Roboto"/>
@@ -7722,7 +7391,7 @@
             <a:r>
               <a:rPr lang="uk" sz="900" dirty="0" smtClean="0">
                 <a:solidFill>
-                  <a:srgbClr val="666666"/>
+                  <a:schemeClr val="tx1"/>
                 </a:solidFill>
                 <a:latin typeface="Roboto"/>
                 <a:ea typeface="Roboto"/>
@@ -7733,7 +7402,7 @@
             </a:r>
             <a:endParaRPr lang="en-US" sz="900" dirty="0" smtClean="0">
               <a:solidFill>
-                <a:srgbClr val="666666"/>
+                <a:schemeClr val="tx1"/>
               </a:solidFill>
               <a:latin typeface="Roboto"/>
               <a:ea typeface="Roboto"/>
@@ -7754,7 +7423,7 @@
             <a:r>
               <a:rPr lang="en-US" sz="900" dirty="0" err="1" smtClean="0">
                 <a:solidFill>
-                  <a:srgbClr val="666666"/>
+                  <a:schemeClr val="tx1"/>
                 </a:solidFill>
                 <a:latin typeface="Roboto"/>
                 <a:ea typeface="Roboto"/>
@@ -7765,7 +7434,7 @@
             </a:r>
             <a:endParaRPr sz="900" dirty="0">
               <a:solidFill>
-                <a:srgbClr val="666666"/>
+                <a:schemeClr val="tx1"/>
               </a:solidFill>
               <a:latin typeface="Roboto"/>
               <a:ea typeface="Roboto"/>
@@ -7824,7 +7493,7 @@
             <a:r>
               <a:rPr lang="uk" sz="900" dirty="0">
                 <a:solidFill>
-                  <a:srgbClr val="666666"/>
+                  <a:schemeClr val="tx1"/>
                 </a:solidFill>
                 <a:latin typeface="Roboto"/>
                 <a:ea typeface="Roboto"/>
@@ -7836,7 +7505,7 @@
             <a:r>
               <a:rPr lang="uk" sz="900" dirty="0" smtClean="0">
                 <a:solidFill>
-                  <a:srgbClr val="666666"/>
+                  <a:schemeClr val="tx1"/>
                 </a:solidFill>
                 <a:latin typeface="Roboto"/>
                 <a:ea typeface="Roboto"/>
@@ -7848,7 +7517,7 @@
             <a:r>
               <a:rPr lang="en-US" sz="900" dirty="0" smtClean="0">
                 <a:solidFill>
-                  <a:srgbClr val="666666"/>
+                  <a:schemeClr val="tx1"/>
                 </a:solidFill>
                 <a:latin typeface="Roboto"/>
                 <a:ea typeface="Roboto"/>
@@ -7859,7 +7528,7 @@
             </a:r>
             <a:endParaRPr sz="900" dirty="0">
               <a:solidFill>
-                <a:srgbClr val="666666"/>
+                <a:schemeClr val="tx1"/>
               </a:solidFill>
               <a:latin typeface="Roboto"/>
               <a:ea typeface="Roboto"/>
@@ -7883,7 +7552,7 @@
             <a:r>
               <a:rPr lang="uk" sz="900" dirty="0">
                 <a:solidFill>
-                  <a:srgbClr val="666666"/>
+                  <a:schemeClr val="tx1"/>
                 </a:solidFill>
                 <a:latin typeface="Roboto"/>
                 <a:ea typeface="Roboto"/>
@@ -7893,6 +7562,9 @@
               <a:t>Ukrainian - native</a:t>
             </a:r>
             <a:endParaRPr dirty="0">
+              <a:solidFill>
+                <a:schemeClr val="tx1"/>
+              </a:solidFill>
               <a:latin typeface="Roboto"/>
               <a:ea typeface="Roboto"/>
               <a:cs typeface="Roboto"/>
